--- a/Новелла.pptx
+++ b/Новелла.pptx
@@ -8,7 +8,12 @@
     <p:sldId id="256" r:id="rId2"/>
     <p:sldId id="257" r:id="rId3"/>
     <p:sldId id="258" r:id="rId4"/>
-    <p:sldId id="259" r:id="rId5"/>
+    <p:sldId id="260" r:id="rId5"/>
+    <p:sldId id="261" r:id="rId6"/>
+    <p:sldId id="264" r:id="rId7"/>
+    <p:sldId id="262" r:id="rId8"/>
+    <p:sldId id="263" r:id="rId9"/>
+    <p:sldId id="259" r:id="rId10"/>
   </p:sldIdLst>
   <p:sldSz cx="12192000" cy="6858000"/>
   <p:notesSz cx="6858000" cy="9144000"/>
@@ -849,7 +854,7 @@
             <a:fld id="{B61BEF0D-F0BB-DE4B-95CE-6DB70DBA9567}" type="datetimeFigureOut">
               <a:rPr lang="en-US" dirty="0"/>
               <a:pPr/>
-              <a:t>5/8/2025</a:t>
+              <a:t>5/23/2025</a:t>
             </a:fld>
             <a:endParaRPr lang="en-US" dirty="0"/>
           </a:p>
@@ -1097,7 +1102,7 @@
             <a:fld id="{B61BEF0D-F0BB-DE4B-95CE-6DB70DBA9567}" type="datetimeFigureOut">
               <a:rPr lang="en-US" dirty="0"/>
               <a:pPr/>
-              <a:t>5/8/2025</a:t>
+              <a:t>5/23/2025</a:t>
             </a:fld>
             <a:endParaRPr lang="en-US" dirty="0"/>
           </a:p>
@@ -1408,7 +1413,7 @@
             <a:fld id="{B61BEF0D-F0BB-DE4B-95CE-6DB70DBA9567}" type="datetimeFigureOut">
               <a:rPr lang="en-US" dirty="0"/>
               <a:pPr/>
-              <a:t>5/8/2025</a:t>
+              <a:t>5/23/2025</a:t>
             </a:fld>
             <a:endParaRPr lang="en-US" dirty="0"/>
           </a:p>
@@ -1746,7 +1751,7 @@
             <a:fld id="{B61BEF0D-F0BB-DE4B-95CE-6DB70DBA9567}" type="datetimeFigureOut">
               <a:rPr lang="en-US" dirty="0"/>
               <a:pPr/>
-              <a:t>5/8/2025</a:t>
+              <a:t>5/23/2025</a:t>
             </a:fld>
             <a:endParaRPr lang="en-US" dirty="0"/>
           </a:p>
@@ -2057,7 +2062,7 @@
             <a:fld id="{B61BEF0D-F0BB-DE4B-95CE-6DB70DBA9567}" type="datetimeFigureOut">
               <a:rPr lang="en-US" dirty="0"/>
               <a:pPr/>
-              <a:t>5/8/2025</a:t>
+              <a:t>5/23/2025</a:t>
             </a:fld>
             <a:endParaRPr lang="en-US" dirty="0"/>
           </a:p>
@@ -2447,7 +2452,7 @@
             <a:fld id="{B61BEF0D-F0BB-DE4B-95CE-6DB70DBA9567}" type="datetimeFigureOut">
               <a:rPr lang="en-US" dirty="0"/>
               <a:pPr/>
-              <a:t>5/8/2025</a:t>
+              <a:t>5/23/2025</a:t>
             </a:fld>
             <a:endParaRPr lang="en-US" dirty="0"/>
           </a:p>
@@ -2613,7 +2618,7 @@
           <a:p>
             <a:fld id="{55C6B4A9-1611-4792-9094-5F34BCA07E0B}" type="datetimeFigureOut">
               <a:rPr lang="en-US" dirty="0"/>
-              <a:t>5/8/2025</a:t>
+              <a:t>5/23/2025</a:t>
             </a:fld>
             <a:endParaRPr lang="en-US" dirty="0"/>
           </a:p>
@@ -2789,7 +2794,7 @@
             <a:fld id="{B61BEF0D-F0BB-DE4B-95CE-6DB70DBA9567}" type="datetimeFigureOut">
               <a:rPr lang="en-US" dirty="0"/>
               <a:pPr/>
-              <a:t>5/8/2025</a:t>
+              <a:t>5/23/2025</a:t>
             </a:fld>
             <a:endParaRPr lang="en-US" dirty="0"/>
           </a:p>
@@ -2962,7 +2967,7 @@
             <a:fld id="{B61BEF0D-F0BB-DE4B-95CE-6DB70DBA9567}" type="datetimeFigureOut">
               <a:rPr lang="en-US" dirty="0"/>
               <a:pPr/>
-              <a:t>5/8/2025</a:t>
+              <a:t>5/23/2025</a:t>
             </a:fld>
             <a:endParaRPr lang="en-US" dirty="0"/>
           </a:p>
@@ -3206,7 +3211,7 @@
             <a:fld id="{B61BEF0D-F0BB-DE4B-95CE-6DB70DBA9567}" type="datetimeFigureOut">
               <a:rPr lang="en-US" dirty="0"/>
               <a:pPr/>
-              <a:t>5/8/2025</a:t>
+              <a:t>5/23/2025</a:t>
             </a:fld>
             <a:endParaRPr lang="en-US" dirty="0"/>
           </a:p>
@@ -3434,7 +3439,7 @@
           <a:p>
             <a:fld id="{EB712588-04B1-427B-82EE-E8DB90309F08}" type="datetimeFigureOut">
               <a:rPr lang="en-US" dirty="0"/>
-              <a:t>5/8/2025</a:t>
+              <a:t>5/23/2025</a:t>
             </a:fld>
             <a:endParaRPr lang="en-US" dirty="0"/>
           </a:p>
@@ -3804,7 +3809,7 @@
             <a:fld id="{B61BEF0D-F0BB-DE4B-95CE-6DB70DBA9567}" type="datetimeFigureOut">
               <a:rPr lang="en-US" dirty="0"/>
               <a:pPr/>
-              <a:t>5/8/2025</a:t>
+              <a:t>5/23/2025</a:t>
             </a:fld>
             <a:endParaRPr lang="en-US" dirty="0"/>
           </a:p>
@@ -3924,7 +3929,7 @@
             <a:fld id="{B61BEF0D-F0BB-DE4B-95CE-6DB70DBA9567}" type="datetimeFigureOut">
               <a:rPr lang="en-US" dirty="0"/>
               <a:pPr/>
-              <a:t>5/8/2025</a:t>
+              <a:t>5/23/2025</a:t>
             </a:fld>
             <a:endParaRPr lang="en-US" dirty="0"/>
           </a:p>
@@ -4016,7 +4021,7 @@
             <a:fld id="{B61BEF0D-F0BB-DE4B-95CE-6DB70DBA9567}" type="datetimeFigureOut">
               <a:rPr lang="en-US" dirty="0"/>
               <a:pPr/>
-              <a:t>5/8/2025</a:t>
+              <a:t>5/23/2025</a:t>
             </a:fld>
             <a:endParaRPr lang="en-US" dirty="0"/>
           </a:p>
@@ -4267,7 +4272,7 @@
           <a:p>
             <a:fld id="{42A54C80-263E-416B-A8E0-580EDEADCBDC}" type="datetimeFigureOut">
               <a:rPr lang="en-US" dirty="0"/>
-              <a:t>5/8/2025</a:t>
+              <a:t>5/23/2025</a:t>
             </a:fld>
             <a:endParaRPr lang="en-US" dirty="0"/>
           </a:p>
@@ -4526,7 +4531,7 @@
             <a:fld id="{B61BEF0D-F0BB-DE4B-95CE-6DB70DBA9567}" type="datetimeFigureOut">
               <a:rPr lang="en-US" dirty="0"/>
               <a:pPr/>
-              <a:t>5/8/2025</a:t>
+              <a:t>5/23/2025</a:t>
             </a:fld>
             <a:endParaRPr lang="en-US" dirty="0"/>
           </a:p>
@@ -5266,7 +5271,7 @@
             <a:fld id="{B61BEF0D-F0BB-DE4B-95CE-6DB70DBA9567}" type="datetimeFigureOut">
               <a:rPr lang="en-US" dirty="0"/>
               <a:pPr/>
-              <a:t>5/8/2025</a:t>
+              <a:t>5/23/2025</a:t>
             </a:fld>
             <a:endParaRPr lang="en-US" dirty="0"/>
           </a:p>
@@ -6011,36 +6016,124 @@
           <a:p>
             <a:r>
               <a:rPr lang="ru-RU" dirty="0" smtClean="0"/>
-              <a:t>Будущие функции</a:t>
-            </a:r>
-            <a:endParaRPr lang="en-US" dirty="0"/>
-          </a:p>
-        </p:txBody>
-      </p:sp>
-      <p:sp>
-        <p:nvSpPr>
-          <p:cNvPr id="3" name="Объект 2"/>
-          <p:cNvSpPr>
-            <a:spLocks noGrp="1"/>
-          </p:cNvSpPr>
+              <a:t>Файлы проекта</a:t>
+            </a:r>
+            <a:endParaRPr lang="en-US" dirty="0"/>
+          </a:p>
+        </p:txBody>
+      </p:sp>
+      <p:pic>
+        <p:nvPicPr>
+          <p:cNvPr id="4" name="Объект 3"/>
+          <p:cNvPicPr>
+            <a:picLocks noGrp="1" noChangeAspect="1"/>
+          </p:cNvPicPr>
           <p:nvPr>
             <p:ph idx="1"/>
           </p:nvPr>
-        </p:nvSpPr>
-        <p:spPr/>
-        <p:txBody>
-          <a:bodyPr/>
-          <a:lstStyle/>
-          <a:p>
+        </p:nvPicPr>
+        <p:blipFill>
+          <a:blip r:embed="rId2">
+            <a:extLst>
+              <a:ext uri="{28A0092B-C50C-407E-A947-70E740481C1C}">
+                <a14:useLocalDpi xmlns:a14="http://schemas.microsoft.com/office/drawing/2010/main" val="0"/>
+              </a:ext>
+            </a:extLst>
+          </a:blip>
+          <a:stretch>
+            <a:fillRect/>
+          </a:stretch>
+        </p:blipFill>
+        <p:spPr>
+          <a:xfrm>
+            <a:off x="381000" y="1371600"/>
+            <a:ext cx="9220200" cy="2399205"/>
+          </a:xfrm>
+        </p:spPr>
+      </p:pic>
+      <p:sp>
+        <p:nvSpPr>
+          <p:cNvPr id="5" name="TextBox 4"/>
+          <p:cNvSpPr txBox="1"/>
+          <p:nvPr/>
+        </p:nvSpPr>
+        <p:spPr>
+          <a:xfrm>
+            <a:off x="533400" y="4267200"/>
+            <a:ext cx="11201400" cy="1477328"/>
+          </a:xfrm>
+          <a:prstGeom prst="rect">
+            <a:avLst/>
+          </a:prstGeom>
+          <a:noFill/>
+        </p:spPr>
+        <p:txBody>
+          <a:bodyPr wrap="square" rtlCol="0">
+            <a:spAutoFit/>
+          </a:bodyPr>
+          <a:lstStyle/>
+          <a:p>
+            <a:r>
+              <a:rPr lang="en-US" dirty="0" err="1" smtClean="0"/>
+              <a:t>Bg</a:t>
+            </a:r>
+            <a:r>
+              <a:rPr lang="en-US" dirty="0" smtClean="0"/>
+              <a:t> </a:t>
+            </a:r>
             <a:r>
               <a:rPr lang="ru-RU" dirty="0" smtClean="0"/>
-              <a:t>Создание вылазок</a:t>
-            </a:r>
-          </a:p>
-          <a:p>
+              <a:t>и</a:t>
+            </a:r>
+            <a:r>
+              <a:rPr lang="en-US" dirty="0" smtClean="0"/>
+              <a:t> sprites</a:t>
+            </a:r>
             <a:r>
               <a:rPr lang="ru-RU" dirty="0" smtClean="0"/>
-              <a:t>Концовки(примерно 4)</a:t>
+              <a:t> – </a:t>
+            </a:r>
+            <a:r>
+              <a:rPr lang="en-US" dirty="0" smtClean="0"/>
+              <a:t>gif</a:t>
+            </a:r>
+            <a:r>
+              <a:rPr lang="ru-RU" dirty="0" smtClean="0"/>
+              <a:t> файлы для фона и изображения персонажей/предметов в игре.</a:t>
+            </a:r>
+          </a:p>
+          <a:p>
+            <a:r>
+              <a:rPr lang="en-US" dirty="0" smtClean="0"/>
+              <a:t>Info</a:t>
+            </a:r>
+            <a:r>
+              <a:rPr lang="ru-RU" dirty="0" smtClean="0"/>
+              <a:t> содержит информацию о персонаже</a:t>
+            </a:r>
+          </a:p>
+          <a:p>
+            <a:r>
+              <a:rPr lang="en-US" dirty="0" smtClean="0"/>
+              <a:t>Main-</a:t>
+            </a:r>
+            <a:r>
+              <a:rPr lang="ru-RU" dirty="0" smtClean="0"/>
+              <a:t>запуск игру, считает клики игрока, создаёт экран</a:t>
+            </a:r>
+          </a:p>
+          <a:p>
+            <a:r>
+              <a:rPr lang="en-US" dirty="0" smtClean="0"/>
+              <a:t>novel</a:t>
+            </a:r>
+            <a:r>
+              <a:rPr lang="ru-RU" dirty="0"/>
+              <a:t> </a:t>
+            </a:r>
+            <a:r>
+              <a:rPr lang="ru-RU" dirty="0" smtClean="0"/>
+              <a:t>содержит файлы для игры</a:t>
             </a:r>
           </a:p>
           <a:p>
@@ -6058,6 +6151,13 @@
   <p:clrMapOvr>
     <a:masterClrMapping/>
   </p:clrMapOvr>
+  <p:timing>
+    <p:tnLst>
+      <p:par>
+        <p:cTn id="1" dur="indefinite" restart="never" nodeType="tmRoot"/>
+      </p:par>
+    </p:tnLst>
+  </p:timing>
 </p:sld>
 </file>
 
@@ -6088,6 +6188,669 @@
             <p:ph type="title"/>
           </p:nvPr>
         </p:nvSpPr>
+        <p:spPr>
+          <a:xfrm>
+            <a:off x="533400" y="228600"/>
+            <a:ext cx="8596668" cy="1320800"/>
+          </a:xfrm>
+        </p:spPr>
+        <p:txBody>
+          <a:bodyPr/>
+          <a:lstStyle/>
+          <a:p>
+            <a:r>
+              <a:rPr lang="ru-RU" dirty="0" smtClean="0"/>
+              <a:t>Файлы </a:t>
+            </a:r>
+            <a:r>
+              <a:rPr lang="en-US" dirty="0" smtClean="0"/>
+              <a:t>novel</a:t>
+            </a:r>
+            <a:endParaRPr lang="en-US" dirty="0"/>
+          </a:p>
+        </p:txBody>
+      </p:sp>
+      <p:sp>
+        <p:nvSpPr>
+          <p:cNvPr id="5" name="TextBox 4"/>
+          <p:cNvSpPr txBox="1"/>
+          <p:nvPr/>
+        </p:nvSpPr>
+        <p:spPr>
+          <a:xfrm>
+            <a:off x="6248400" y="2286000"/>
+            <a:ext cx="2971800" cy="4431983"/>
+          </a:xfrm>
+          <a:prstGeom prst="rect">
+            <a:avLst/>
+          </a:prstGeom>
+          <a:noFill/>
+        </p:spPr>
+        <p:txBody>
+          <a:bodyPr wrap="square" rtlCol="0">
+            <a:spAutoFit/>
+          </a:bodyPr>
+          <a:lstStyle/>
+          <a:p>
+            <a:r>
+              <a:rPr lang="ru-RU" sz="2400" dirty="0" smtClean="0"/>
+              <a:t>Отображаются все сцены с помощью функций. Они принимает то, сколько игрок нажал и куда, характеристики игрока, экран и команду для смены блоков внутри сцен.</a:t>
+            </a:r>
+          </a:p>
+          <a:p>
+            <a:endParaRPr lang="en-US" dirty="0"/>
+          </a:p>
+        </p:txBody>
+      </p:sp>
+      <p:pic>
+        <p:nvPicPr>
+          <p:cNvPr id="6" name="Объект 5"/>
+          <p:cNvPicPr>
+            <a:picLocks noGrp="1" noChangeAspect="1"/>
+          </p:cNvPicPr>
+          <p:nvPr>
+            <p:ph idx="1"/>
+          </p:nvPr>
+        </p:nvPicPr>
+        <p:blipFill>
+          <a:blip r:embed="rId2"/>
+          <a:stretch>
+            <a:fillRect/>
+          </a:stretch>
+        </p:blipFill>
+        <p:spPr>
+          <a:xfrm>
+            <a:off x="0" y="1066800"/>
+            <a:ext cx="6229350" cy="5662156"/>
+          </a:xfrm>
+          <a:prstGeom prst="rect">
+            <a:avLst/>
+          </a:prstGeom>
+        </p:spPr>
+      </p:pic>
+    </p:spTree>
+    <p:extLst>
+      <p:ext uri="{BB962C8B-B14F-4D97-AF65-F5344CB8AC3E}">
+        <p14:creationId xmlns:p14="http://schemas.microsoft.com/office/powerpoint/2010/main" val="2377475833"/>
+      </p:ext>
+    </p:extLst>
+  </p:cSld>
+  <p:clrMapOvr>
+    <a:masterClrMapping/>
+  </p:clrMapOvr>
+  <p:timing>
+    <p:tnLst>
+      <p:par>
+        <p:cTn id="1" dur="indefinite" restart="never" nodeType="tmRoot"/>
+      </p:par>
+    </p:tnLst>
+  </p:timing>
+</p:sld>
+</file>
+
+<file path=ppt/slides/slide5.xml><?xml version="1.0" encoding="utf-8"?>
+<p:sld xmlns:a="http://schemas.openxmlformats.org/drawingml/2006/main" xmlns:r="http://schemas.openxmlformats.org/officeDocument/2006/relationships" xmlns:p="http://schemas.openxmlformats.org/presentationml/2006/main">
+  <p:cSld>
+    <p:spTree>
+      <p:nvGrpSpPr>
+        <p:cNvPr id="1" name=""/>
+        <p:cNvGrpSpPr/>
+        <p:nvPr/>
+      </p:nvGrpSpPr>
+      <p:grpSpPr>
+        <a:xfrm>
+          <a:off x="0" y="0"/>
+          <a:ext cx="0" cy="0"/>
+          <a:chOff x="0" y="0"/>
+          <a:chExt cx="0" cy="0"/>
+        </a:xfrm>
+      </p:grpSpPr>
+      <p:sp>
+        <p:nvSpPr>
+          <p:cNvPr id="2" name="Заголовок 1"/>
+          <p:cNvSpPr>
+            <a:spLocks noGrp="1"/>
+          </p:cNvSpPr>
+          <p:nvPr>
+            <p:ph type="title"/>
+          </p:nvPr>
+        </p:nvSpPr>
+        <p:spPr>
+          <a:xfrm>
+            <a:off x="533400" y="228600"/>
+            <a:ext cx="8596668" cy="1320800"/>
+          </a:xfrm>
+        </p:spPr>
+        <p:txBody>
+          <a:bodyPr/>
+          <a:lstStyle/>
+          <a:p>
+            <a:r>
+              <a:rPr lang="ru-RU" dirty="0" smtClean="0"/>
+              <a:t>Файлы </a:t>
+            </a:r>
+            <a:r>
+              <a:rPr lang="en-US" dirty="0" smtClean="0"/>
+              <a:t>novel</a:t>
+            </a:r>
+            <a:r>
+              <a:rPr lang="ru-RU" dirty="0" smtClean="0"/>
+              <a:t>. </a:t>
+            </a:r>
+            <a:r>
+              <a:rPr lang="en-US" dirty="0" smtClean="0"/>
+              <a:t>Game</a:t>
+            </a:r>
+            <a:endParaRPr lang="en-US" dirty="0"/>
+          </a:p>
+        </p:txBody>
+      </p:sp>
+      <p:sp>
+        <p:nvSpPr>
+          <p:cNvPr id="5" name="TextBox 4"/>
+          <p:cNvSpPr txBox="1"/>
+          <p:nvPr/>
+        </p:nvSpPr>
+        <p:spPr>
+          <a:xfrm>
+            <a:off x="6934200" y="1981200"/>
+            <a:ext cx="3429000" cy="1846659"/>
+          </a:xfrm>
+          <a:prstGeom prst="rect">
+            <a:avLst/>
+          </a:prstGeom>
+          <a:noFill/>
+        </p:spPr>
+        <p:txBody>
+          <a:bodyPr wrap="square" rtlCol="0">
+            <a:spAutoFit/>
+          </a:bodyPr>
+          <a:lstStyle/>
+          <a:p>
+            <a:r>
+              <a:rPr lang="ru-RU" sz="2400" dirty="0" smtClean="0"/>
+              <a:t>Инструменты, помогающие изобразить магазин покупки подарков.</a:t>
+            </a:r>
+          </a:p>
+          <a:p>
+            <a:endParaRPr lang="en-US" dirty="0"/>
+          </a:p>
+        </p:txBody>
+      </p:sp>
+      <p:pic>
+        <p:nvPicPr>
+          <p:cNvPr id="4" name="Рисунок 3"/>
+          <p:cNvPicPr>
+            <a:picLocks noChangeAspect="1"/>
+          </p:cNvPicPr>
+          <p:nvPr/>
+        </p:nvPicPr>
+        <p:blipFill>
+          <a:blip r:embed="rId2"/>
+          <a:stretch>
+            <a:fillRect/>
+          </a:stretch>
+        </p:blipFill>
+        <p:spPr>
+          <a:xfrm>
+            <a:off x="0" y="1219200"/>
+            <a:ext cx="6806214" cy="5334000"/>
+          </a:xfrm>
+          <a:prstGeom prst="rect">
+            <a:avLst/>
+          </a:prstGeom>
+        </p:spPr>
+      </p:pic>
+    </p:spTree>
+    <p:extLst>
+      <p:ext uri="{BB962C8B-B14F-4D97-AF65-F5344CB8AC3E}">
+        <p14:creationId xmlns:p14="http://schemas.microsoft.com/office/powerpoint/2010/main" val="1077259270"/>
+      </p:ext>
+    </p:extLst>
+  </p:cSld>
+  <p:clrMapOvr>
+    <a:masterClrMapping/>
+  </p:clrMapOvr>
+  <p:timing>
+    <p:tnLst>
+      <p:par>
+        <p:cTn id="1" dur="indefinite" restart="never" nodeType="tmRoot"/>
+      </p:par>
+    </p:tnLst>
+  </p:timing>
+</p:sld>
+</file>
+
+<file path=ppt/slides/slide6.xml><?xml version="1.0" encoding="utf-8"?>
+<p:sld xmlns:a="http://schemas.openxmlformats.org/drawingml/2006/main" xmlns:r="http://schemas.openxmlformats.org/officeDocument/2006/relationships" xmlns:p="http://schemas.openxmlformats.org/presentationml/2006/main">
+  <p:cSld>
+    <p:spTree>
+      <p:nvGrpSpPr>
+        <p:cNvPr id="1" name=""/>
+        <p:cNvGrpSpPr/>
+        <p:nvPr/>
+      </p:nvGrpSpPr>
+      <p:grpSpPr>
+        <a:xfrm>
+          <a:off x="0" y="0"/>
+          <a:ext cx="0" cy="0"/>
+          <a:chOff x="0" y="0"/>
+          <a:chExt cx="0" cy="0"/>
+        </a:xfrm>
+      </p:grpSpPr>
+      <p:sp>
+        <p:nvSpPr>
+          <p:cNvPr id="2" name="Заголовок 1"/>
+          <p:cNvSpPr>
+            <a:spLocks noGrp="1"/>
+          </p:cNvSpPr>
+          <p:nvPr>
+            <p:ph type="title"/>
+          </p:nvPr>
+        </p:nvSpPr>
+        <p:spPr>
+          <a:xfrm>
+            <a:off x="533400" y="228600"/>
+            <a:ext cx="8596668" cy="1320800"/>
+          </a:xfrm>
+        </p:spPr>
+        <p:txBody>
+          <a:bodyPr/>
+          <a:lstStyle/>
+          <a:p>
+            <a:r>
+              <a:rPr lang="ru-RU" dirty="0" smtClean="0"/>
+              <a:t>Файлы </a:t>
+            </a:r>
+            <a:r>
+              <a:rPr lang="en-US" dirty="0" smtClean="0"/>
+              <a:t>novel</a:t>
+            </a:r>
+            <a:r>
+              <a:rPr lang="ru-RU" dirty="0" smtClean="0"/>
+              <a:t>,</a:t>
+            </a:r>
+            <a:r>
+              <a:rPr lang="en-US" dirty="0" smtClean="0"/>
+              <a:t> </a:t>
+            </a:r>
+            <a:r>
+              <a:rPr lang="en-US" dirty="0" err="1" smtClean="0"/>
+              <a:t>widgtext</a:t>
+            </a:r>
+            <a:endParaRPr lang="en-US" dirty="0"/>
+          </a:p>
+        </p:txBody>
+      </p:sp>
+      <p:sp>
+        <p:nvSpPr>
+          <p:cNvPr id="5" name="TextBox 4"/>
+          <p:cNvSpPr txBox="1"/>
+          <p:nvPr/>
+        </p:nvSpPr>
+        <p:spPr>
+          <a:xfrm>
+            <a:off x="6248400" y="2286000"/>
+            <a:ext cx="2971800" cy="2954655"/>
+          </a:xfrm>
+          <a:prstGeom prst="rect">
+            <a:avLst/>
+          </a:prstGeom>
+          <a:noFill/>
+        </p:spPr>
+        <p:txBody>
+          <a:bodyPr wrap="square" rtlCol="0">
+            <a:spAutoFit/>
+          </a:bodyPr>
+          <a:lstStyle/>
+          <a:p>
+            <a:r>
+              <a:rPr lang="ru-RU" sz="2400" dirty="0" smtClean="0"/>
+              <a:t>Похож на </a:t>
+            </a:r>
+            <a:r>
+              <a:rPr lang="en-US" sz="2400" dirty="0" smtClean="0"/>
+              <a:t>game</a:t>
+            </a:r>
+            <a:r>
+              <a:rPr lang="ru-RU" sz="2400" dirty="0" smtClean="0"/>
+              <a:t>. Вывод текст и диалоговое окно. Используется чаще (каждую сцену) для вывода всего текста</a:t>
+            </a:r>
+          </a:p>
+          <a:p>
+            <a:endParaRPr lang="en-US" dirty="0"/>
+          </a:p>
+        </p:txBody>
+      </p:sp>
+      <p:pic>
+        <p:nvPicPr>
+          <p:cNvPr id="4" name="Объект 3"/>
+          <p:cNvPicPr>
+            <a:picLocks noGrp="1" noChangeAspect="1"/>
+          </p:cNvPicPr>
+          <p:nvPr>
+            <p:ph idx="1"/>
+          </p:nvPr>
+        </p:nvPicPr>
+        <p:blipFill>
+          <a:blip r:embed="rId2"/>
+          <a:stretch>
+            <a:fillRect/>
+          </a:stretch>
+        </p:blipFill>
+        <p:spPr>
+          <a:xfrm>
+            <a:off x="228600" y="1219200"/>
+            <a:ext cx="4999689" cy="5257800"/>
+          </a:xfrm>
+          <a:prstGeom prst="rect">
+            <a:avLst/>
+          </a:prstGeom>
+        </p:spPr>
+      </p:pic>
+    </p:spTree>
+    <p:extLst>
+      <p:ext uri="{BB962C8B-B14F-4D97-AF65-F5344CB8AC3E}">
+        <p14:creationId xmlns:p14="http://schemas.microsoft.com/office/powerpoint/2010/main" val="1646113401"/>
+      </p:ext>
+    </p:extLst>
+  </p:cSld>
+  <p:clrMapOvr>
+    <a:masterClrMapping/>
+  </p:clrMapOvr>
+  <p:timing>
+    <p:tnLst>
+      <p:par>
+        <p:cTn id="1" dur="indefinite" restart="never" nodeType="tmRoot"/>
+      </p:par>
+    </p:tnLst>
+  </p:timing>
+</p:sld>
+</file>
+
+<file path=ppt/slides/slide7.xml><?xml version="1.0" encoding="utf-8"?>
+<p:sld xmlns:a="http://schemas.openxmlformats.org/drawingml/2006/main" xmlns:r="http://schemas.openxmlformats.org/officeDocument/2006/relationships" xmlns:p="http://schemas.openxmlformats.org/presentationml/2006/main">
+  <p:cSld>
+    <p:spTree>
+      <p:nvGrpSpPr>
+        <p:cNvPr id="1" name=""/>
+        <p:cNvGrpSpPr/>
+        <p:nvPr/>
+      </p:nvGrpSpPr>
+      <p:grpSpPr>
+        <a:xfrm>
+          <a:off x="0" y="0"/>
+          <a:ext cx="0" cy="0"/>
+          <a:chOff x="0" y="0"/>
+          <a:chExt cx="0" cy="0"/>
+        </a:xfrm>
+      </p:grpSpPr>
+      <p:sp>
+        <p:nvSpPr>
+          <p:cNvPr id="2" name="Заголовок 1"/>
+          <p:cNvSpPr>
+            <a:spLocks noGrp="1"/>
+          </p:cNvSpPr>
+          <p:nvPr>
+            <p:ph type="title"/>
+          </p:nvPr>
+        </p:nvSpPr>
+        <p:spPr>
+          <a:xfrm>
+            <a:off x="533400" y="228600"/>
+            <a:ext cx="8596668" cy="1320800"/>
+          </a:xfrm>
+        </p:spPr>
+        <p:txBody>
+          <a:bodyPr/>
+          <a:lstStyle/>
+          <a:p>
+            <a:r>
+              <a:rPr lang="ru-RU" dirty="0" smtClean="0"/>
+              <a:t>Файлы </a:t>
+            </a:r>
+            <a:r>
+              <a:rPr lang="en-US" dirty="0" smtClean="0"/>
+              <a:t>novel</a:t>
+            </a:r>
+            <a:endParaRPr lang="en-US" dirty="0"/>
+          </a:p>
+        </p:txBody>
+      </p:sp>
+      <p:sp>
+        <p:nvSpPr>
+          <p:cNvPr id="5" name="TextBox 4"/>
+          <p:cNvSpPr txBox="1"/>
+          <p:nvPr/>
+        </p:nvSpPr>
+        <p:spPr>
+          <a:xfrm>
+            <a:off x="6076950" y="1371600"/>
+            <a:ext cx="3429000" cy="4801314"/>
+          </a:xfrm>
+          <a:prstGeom prst="rect">
+            <a:avLst/>
+          </a:prstGeom>
+          <a:noFill/>
+        </p:spPr>
+        <p:txBody>
+          <a:bodyPr wrap="square" rtlCol="0">
+            <a:spAutoFit/>
+          </a:bodyPr>
+          <a:lstStyle/>
+          <a:p>
+            <a:r>
+              <a:rPr lang="ru-RU" sz="2400" dirty="0" smtClean="0"/>
+              <a:t>Создает черепах для отображения персонажей, запоминает информацию о них(отношения с игроком, любимые подарки).</a:t>
+            </a:r>
+          </a:p>
+          <a:p>
+            <a:r>
+              <a:rPr lang="ru-RU" sz="2400" dirty="0" smtClean="0"/>
+              <a:t>Чтение характеристики игрока и запись ее в файл</a:t>
+            </a:r>
+          </a:p>
+          <a:p>
+            <a:endParaRPr lang="en-US" dirty="0"/>
+          </a:p>
+        </p:txBody>
+      </p:sp>
+      <p:pic>
+        <p:nvPicPr>
+          <p:cNvPr id="3" name="Рисунок 2"/>
+          <p:cNvPicPr>
+            <a:picLocks noChangeAspect="1"/>
+          </p:cNvPicPr>
+          <p:nvPr/>
+        </p:nvPicPr>
+        <p:blipFill>
+          <a:blip r:embed="rId2"/>
+          <a:stretch>
+            <a:fillRect/>
+          </a:stretch>
+        </p:blipFill>
+        <p:spPr>
+          <a:xfrm>
+            <a:off x="457200" y="914400"/>
+            <a:ext cx="4867275" cy="5753100"/>
+          </a:xfrm>
+          <a:prstGeom prst="rect">
+            <a:avLst/>
+          </a:prstGeom>
+        </p:spPr>
+      </p:pic>
+    </p:spTree>
+    <p:extLst>
+      <p:ext uri="{BB962C8B-B14F-4D97-AF65-F5344CB8AC3E}">
+        <p14:creationId xmlns:p14="http://schemas.microsoft.com/office/powerpoint/2010/main" val="3192675580"/>
+      </p:ext>
+    </p:extLst>
+  </p:cSld>
+  <p:clrMapOvr>
+    <a:masterClrMapping/>
+  </p:clrMapOvr>
+  <p:timing>
+    <p:tnLst>
+      <p:par>
+        <p:cTn id="1" dur="indefinite" restart="never" nodeType="tmRoot"/>
+      </p:par>
+    </p:tnLst>
+  </p:timing>
+</p:sld>
+</file>
+
+<file path=ppt/slides/slide8.xml><?xml version="1.0" encoding="utf-8"?>
+<p:sld xmlns:a="http://schemas.openxmlformats.org/drawingml/2006/main" xmlns:r="http://schemas.openxmlformats.org/officeDocument/2006/relationships" xmlns:p="http://schemas.openxmlformats.org/presentationml/2006/main">
+  <p:cSld>
+    <p:spTree>
+      <p:nvGrpSpPr>
+        <p:cNvPr id="1" name=""/>
+        <p:cNvGrpSpPr/>
+        <p:nvPr/>
+      </p:nvGrpSpPr>
+      <p:grpSpPr>
+        <a:xfrm>
+          <a:off x="0" y="0"/>
+          <a:ext cx="0" cy="0"/>
+          <a:chOff x="0" y="0"/>
+          <a:chExt cx="0" cy="0"/>
+        </a:xfrm>
+      </p:grpSpPr>
+      <p:sp>
+        <p:nvSpPr>
+          <p:cNvPr id="2" name="Заголовок 1"/>
+          <p:cNvSpPr>
+            <a:spLocks noGrp="1"/>
+          </p:cNvSpPr>
+          <p:nvPr>
+            <p:ph type="title"/>
+          </p:nvPr>
+        </p:nvSpPr>
+        <p:spPr>
+          <a:xfrm>
+            <a:off x="533400" y="228600"/>
+            <a:ext cx="8596668" cy="1320800"/>
+          </a:xfrm>
+        </p:spPr>
+        <p:txBody>
+          <a:bodyPr/>
+          <a:lstStyle/>
+          <a:p>
+            <a:r>
+              <a:rPr lang="ru-RU" dirty="0" smtClean="0"/>
+              <a:t>Файлы </a:t>
+            </a:r>
+            <a:r>
+              <a:rPr lang="en-US" dirty="0" smtClean="0"/>
+              <a:t>novel</a:t>
+            </a:r>
+            <a:endParaRPr lang="en-US" dirty="0"/>
+          </a:p>
+        </p:txBody>
+      </p:sp>
+      <p:sp>
+        <p:nvSpPr>
+          <p:cNvPr id="5" name="TextBox 4"/>
+          <p:cNvSpPr txBox="1"/>
+          <p:nvPr/>
+        </p:nvSpPr>
+        <p:spPr>
+          <a:xfrm>
+            <a:off x="6076950" y="1371600"/>
+            <a:ext cx="3429000" cy="2585323"/>
+          </a:xfrm>
+          <a:prstGeom prst="rect">
+            <a:avLst/>
+          </a:prstGeom>
+          <a:noFill/>
+        </p:spPr>
+        <p:txBody>
+          <a:bodyPr wrap="square" rtlCol="0">
+            <a:spAutoFit/>
+          </a:bodyPr>
+          <a:lstStyle/>
+          <a:p>
+            <a:r>
+              <a:rPr lang="ru-RU" sz="2400" dirty="0" smtClean="0"/>
+              <a:t>Считает клики на мышь. Сбрасывает счетчик. Оправляет, куда нажал игрок и возвращает команду после </a:t>
+            </a:r>
+          </a:p>
+          <a:p>
+            <a:endParaRPr lang="en-US" dirty="0"/>
+          </a:p>
+        </p:txBody>
+      </p:sp>
+      <p:pic>
+        <p:nvPicPr>
+          <p:cNvPr id="6" name="Рисунок 5"/>
+          <p:cNvPicPr>
+            <a:picLocks noChangeAspect="1"/>
+          </p:cNvPicPr>
+          <p:nvPr/>
+        </p:nvPicPr>
+        <p:blipFill>
+          <a:blip r:embed="rId2"/>
+          <a:stretch>
+            <a:fillRect/>
+          </a:stretch>
+        </p:blipFill>
+        <p:spPr>
+          <a:xfrm>
+            <a:off x="-38100" y="1057275"/>
+            <a:ext cx="6010275" cy="5819775"/>
+          </a:xfrm>
+          <a:prstGeom prst="rect">
+            <a:avLst/>
+          </a:prstGeom>
+        </p:spPr>
+      </p:pic>
+    </p:spTree>
+    <p:extLst>
+      <p:ext uri="{BB962C8B-B14F-4D97-AF65-F5344CB8AC3E}">
+        <p14:creationId xmlns:p14="http://schemas.microsoft.com/office/powerpoint/2010/main" val="4192531611"/>
+      </p:ext>
+    </p:extLst>
+  </p:cSld>
+  <p:clrMapOvr>
+    <a:masterClrMapping/>
+  </p:clrMapOvr>
+  <p:timing>
+    <p:tnLst>
+      <p:par>
+        <p:cTn id="1" dur="indefinite" restart="never" nodeType="tmRoot"/>
+      </p:par>
+    </p:tnLst>
+  </p:timing>
+</p:sld>
+</file>
+
+<file path=ppt/slides/slide9.xml><?xml version="1.0" encoding="utf-8"?>
+<p:sld xmlns:a="http://schemas.openxmlformats.org/drawingml/2006/main" xmlns:r="http://schemas.openxmlformats.org/officeDocument/2006/relationships" xmlns:p="http://schemas.openxmlformats.org/presentationml/2006/main">
+  <p:cSld>
+    <p:spTree>
+      <p:nvGrpSpPr>
+        <p:cNvPr id="1" name=""/>
+        <p:cNvGrpSpPr/>
+        <p:nvPr/>
+      </p:nvGrpSpPr>
+      <p:grpSpPr>
+        <a:xfrm>
+          <a:off x="0" y="0"/>
+          <a:ext cx="0" cy="0"/>
+          <a:chOff x="0" y="0"/>
+          <a:chExt cx="0" cy="0"/>
+        </a:xfrm>
+      </p:grpSpPr>
+      <p:sp>
+        <p:nvSpPr>
+          <p:cNvPr id="2" name="Заголовок 1"/>
+          <p:cNvSpPr>
+            <a:spLocks noGrp="1"/>
+          </p:cNvSpPr>
+          <p:nvPr>
+            <p:ph type="title"/>
+          </p:nvPr>
+        </p:nvSpPr>
         <p:spPr/>
         <p:txBody>
           <a:bodyPr/>
@@ -6113,62 +6876,33 @@
         </p:nvSpPr>
         <p:spPr/>
         <p:txBody>
-          <a:bodyPr/>
-          <a:lstStyle/>
-          <a:p>
-            <a:r>
-              <a:rPr lang="ru-RU" dirty="0" smtClean="0"/>
-              <a:t>При выборе не сразу происходит переход на следующий слайд</a:t>
-            </a:r>
-          </a:p>
-          <a:p>
-            <a:r>
-              <a:rPr lang="ru-RU" dirty="0" smtClean="0"/>
-              <a:t>При быстром переключении слайдов сбиваются текст и спрайты персонажей</a:t>
-            </a:r>
-            <a:r>
-              <a:rPr lang="ru-RU" dirty="0" smtClean="0"/>
-              <a:t>.</a:t>
-            </a:r>
-          </a:p>
-          <a:p>
-            <a:r>
-              <a:rPr lang="ru-RU" dirty="0" smtClean="0"/>
-              <a:t>Пока только половина реализована. Состоять игра будет из трёх сцен. Вторая не закончена. Третья по величине как вторая.</a:t>
-            </a:r>
-          </a:p>
-          <a:p>
-            <a:r>
-              <a:rPr lang="ru-RU" dirty="0" smtClean="0"/>
-              <a:t> Библиотеки </a:t>
-            </a:r>
-            <a:r>
-              <a:rPr lang="en-US" dirty="0" smtClean="0"/>
-              <a:t>time</a:t>
-            </a:r>
-            <a:r>
-              <a:rPr lang="ru-RU" dirty="0" smtClean="0"/>
-              <a:t> не будет из-за смены сюжета отсутствия нужды.</a:t>
-            </a:r>
-          </a:p>
-          <a:p>
-            <a:r>
-              <a:rPr lang="ru-RU" dirty="0" smtClean="0"/>
-              <a:t>Для удобства диалоги вставляются из самой программы, а не читаются из текста. </a:t>
-            </a:r>
-            <a:r>
-              <a:rPr lang="ru-RU" dirty="0"/>
-              <a:t> </a:t>
-            </a:r>
-            <a:r>
-              <a:rPr lang="ru-RU" dirty="0" smtClean="0"/>
-              <a:t>Чтение и запись в файл производится для статистики игрока. Под конец игры будет реализован выбор, в котором можно будет удалить все сохранённые статистики, </a:t>
-            </a:r>
-            <a:r>
-              <a:rPr lang="ru-RU" smtClean="0"/>
-              <a:t>записать нынешние. </a:t>
-            </a:r>
-            <a:endParaRPr lang="en-US" dirty="0"/>
+          <a:bodyPr>
+            <a:normAutofit/>
+          </a:bodyPr>
+          <a:lstStyle/>
+          <a:p>
+            <a:r>
+              <a:rPr lang="ru-RU" sz="2000" dirty="0" smtClean="0"/>
+              <a:t>Иногда быстрое перекрикивание ломает игру.</a:t>
+            </a:r>
+          </a:p>
+          <a:p>
+            <a:r>
+              <a:rPr lang="ru-RU" sz="2000" dirty="0" smtClean="0"/>
+              <a:t>При выхода из магазина, из-за отсутствия альтернатив, все черепахи вызываются и удаляются, что заставляет их всех показаться. Это может сломать игру при очень быстром нажатии, а также некрасиво.</a:t>
+            </a:r>
+          </a:p>
+          <a:p>
+            <a:r>
+              <a:rPr lang="ru-RU" sz="2000" dirty="0" smtClean="0"/>
+              <a:t>Могут присутствовать ошибки в выводимом тексте, так как всё делалось вручную</a:t>
+            </a:r>
+          </a:p>
+          <a:p>
+            <a:r>
+              <a:rPr lang="ru-RU" sz="2000" dirty="0" smtClean="0"/>
+              <a:t>ИИ использовался для создания сюжета (Основных моментов), изображения персонажей, обработки изображения, пр. Сам код писался только с помощью разных сайтов и собственных идей.</a:t>
+            </a:r>
           </a:p>
         </p:txBody>
       </p:sp>
@@ -6182,6 +6916,13 @@
   <p:clrMapOvr>
     <a:masterClrMapping/>
   </p:clrMapOvr>
+  <p:timing>
+    <p:tnLst>
+      <p:par>
+        <p:cTn id="1" dur="indefinite" restart="never" nodeType="tmRoot"/>
+      </p:par>
+    </p:tnLst>
+  </p:timing>
 </p:sld>
 </file>
 
